--- a/web/studio/ASC.Web.Studio/Products/Files/DocStore/startdocuments/default/my/ONLYOFFICE Sample Presentation.pptx
+++ b/web/studio/ASC.Web.Studio/Products/Files/DocStore/startdocuments/default/my/ONLYOFFICE Sample Presentation.pptx
@@ -725,7 +725,7 @@
             </a:fld>
             <a:r>
               <a:rPr/>
-              <a:t>27.03.201424.06.2014</a:t>
+              <a:t>27.03.201424.06.201413.08.201418.08.2014</a:t>
             </a:r>
             <a:endParaRPr/>
           </a:p>
@@ -909,7 +909,7 @@
             </a:fld>
             <a:r>
               <a:rPr/>
-              <a:t>27.03.201424.06.2014</a:t>
+              <a:t>27.03.201424.06.201413.08.201418.08.2014</a:t>
             </a:r>
             <a:endParaRPr/>
           </a:p>
@@ -1103,7 +1103,7 @@
             </a:fld>
             <a:r>
               <a:rPr/>
-              <a:t>27.03.201424.06.2014</a:t>
+              <a:t>27.03.201424.06.201413.08.201418.08.2014</a:t>
             </a:r>
             <a:endParaRPr/>
           </a:p>
@@ -1287,7 +1287,7 @@
             </a:fld>
             <a:r>
               <a:rPr/>
-              <a:t>27.03.201424.06.2014</a:t>
+              <a:t>27.03.201424.06.201413.08.201418.08.2014</a:t>
             </a:r>
             <a:endParaRPr/>
           </a:p>
@@ -1534,7 +1534,7 @@
             </a:fld>
             <a:r>
               <a:rPr/>
-              <a:t>27.03.201424.06.2014</a:t>
+              <a:t>27.03.201424.06.201413.08.201418.08.2014</a:t>
             </a:r>
             <a:endParaRPr/>
           </a:p>
@@ -1792,7 +1792,7 @@
             </a:fld>
             <a:r>
               <a:rPr/>
-              <a:t>27.03.201424.06.2014</a:t>
+              <a:t>27.03.201424.06.201413.08.201418.08.2014</a:t>
             </a:r>
             <a:endParaRPr/>
           </a:p>
@@ -2187,7 +2187,7 @@
             </a:fld>
             <a:r>
               <a:rPr/>
-              <a:t>27.03.201424.06.2014</a:t>
+              <a:t>27.03.201424.06.201413.08.201418.08.2014</a:t>
             </a:r>
             <a:endParaRPr/>
           </a:p>
@@ -2307,7 +2307,7 @@
             </a:fld>
             <a:r>
               <a:rPr/>
-              <a:t>27.03.201424.06.2014</a:t>
+              <a:t>27.03.201424.06.201413.08.201418.08.2014</a:t>
             </a:r>
             <a:endParaRPr/>
           </a:p>
@@ -2403,7 +2403,7 @@
             </a:fld>
             <a:r>
               <a:rPr/>
-              <a:t>27.03.201424.06.2014</a:t>
+              <a:t>27.03.201424.06.201413.08.201418.08.2014</a:t>
             </a:r>
             <a:endParaRPr/>
           </a:p>
@@ -2695,7 +2695,7 @@
             </a:fld>
             <a:r>
               <a:rPr/>
-              <a:t>27.03.201424.06.2014</a:t>
+              <a:t>27.03.201424.06.201413.08.201418.08.2014</a:t>
             </a:r>
             <a:endParaRPr/>
           </a:p>
@@ -2956,7 +2956,7 @@
             </a:fld>
             <a:r>
               <a:rPr/>
-              <a:t>27.03.201424.06.2014</a:t>
+              <a:t>27.03.201424.06.201413.08.201418.08.2014</a:t>
             </a:r>
             <a:endParaRPr/>
           </a:p>
@@ -3659,7 +3659,7 @@
             </a:pPr>
             <a:r>
               <a:rPr sz="5500" b="1"/>
-              <a:t>American Indians </a:t>
+              <a:t>Native Americans </a:t>
             </a:r>
             <a:r>
               <a:rPr sz="4700"/>
